--- a/embedded_archive (Arduino,RasPi,Freescale..)/fritzing_files/self_balancing_robot.pptx
+++ b/embedded_archive (Arduino,RasPi,Freescale..)/fritzing_files/self_balancing_robot.pptx
@@ -105,6 +105,11 @@
       </a:defRPr>
     </a:lvl9pPr>
   </p:defaultTextStyle>
+  <p:extLst>
+    <p:ext uri="{EFAFB233-063F-42B5-8137-9DF3F51BA10A}">
+      <p15:sldGuideLst xmlns:p15="http://schemas.microsoft.com/office/powerpoint/2012/main"/>
+    </p:ext>
+  </p:extLst>
 </p:presentation>
 </file>
 
@@ -239,7 +244,7 @@
           <a:p>
             <a:fld id="{A1F20BD1-0C44-43D0-BA5E-59F215455C0B}" type="datetimeFigureOut">
               <a:rPr lang="ko-KR" altLang="en-US" smtClean="0"/>
-              <a:t>Sunday-2017-06-25</a:t>
+              <a:t>Monday-2017-06-26</a:t>
             </a:fld>
             <a:endParaRPr lang="ko-KR" altLang="en-US"/>
           </a:p>
@@ -409,7 +414,7 @@
           <a:p>
             <a:fld id="{A1F20BD1-0C44-43D0-BA5E-59F215455C0B}" type="datetimeFigureOut">
               <a:rPr lang="ko-KR" altLang="en-US" smtClean="0"/>
-              <a:t>Sunday-2017-06-25</a:t>
+              <a:t>Monday-2017-06-26</a:t>
             </a:fld>
             <a:endParaRPr lang="ko-KR" altLang="en-US"/>
           </a:p>
@@ -589,7 +594,7 @@
           <a:p>
             <a:fld id="{A1F20BD1-0C44-43D0-BA5E-59F215455C0B}" type="datetimeFigureOut">
               <a:rPr lang="ko-KR" altLang="en-US" smtClean="0"/>
-              <a:t>Sunday-2017-06-25</a:t>
+              <a:t>Monday-2017-06-26</a:t>
             </a:fld>
             <a:endParaRPr lang="ko-KR" altLang="en-US"/>
           </a:p>
@@ -759,7 +764,7 @@
           <a:p>
             <a:fld id="{A1F20BD1-0C44-43D0-BA5E-59F215455C0B}" type="datetimeFigureOut">
               <a:rPr lang="ko-KR" altLang="en-US" smtClean="0"/>
-              <a:t>Sunday-2017-06-25</a:t>
+              <a:t>Monday-2017-06-26</a:t>
             </a:fld>
             <a:endParaRPr lang="ko-KR" altLang="en-US"/>
           </a:p>
@@ -1005,7 +1010,7 @@
           <a:p>
             <a:fld id="{A1F20BD1-0C44-43D0-BA5E-59F215455C0B}" type="datetimeFigureOut">
               <a:rPr lang="ko-KR" altLang="en-US" smtClean="0"/>
-              <a:t>Sunday-2017-06-25</a:t>
+              <a:t>Monday-2017-06-26</a:t>
             </a:fld>
             <a:endParaRPr lang="ko-KR" altLang="en-US"/>
           </a:p>
@@ -1237,7 +1242,7 @@
           <a:p>
             <a:fld id="{A1F20BD1-0C44-43D0-BA5E-59F215455C0B}" type="datetimeFigureOut">
               <a:rPr lang="ko-KR" altLang="en-US" smtClean="0"/>
-              <a:t>Sunday-2017-06-25</a:t>
+              <a:t>Monday-2017-06-26</a:t>
             </a:fld>
             <a:endParaRPr lang="ko-KR" altLang="en-US"/>
           </a:p>
@@ -1604,7 +1609,7 @@
           <a:p>
             <a:fld id="{A1F20BD1-0C44-43D0-BA5E-59F215455C0B}" type="datetimeFigureOut">
               <a:rPr lang="ko-KR" altLang="en-US" smtClean="0"/>
-              <a:t>Sunday-2017-06-25</a:t>
+              <a:t>Monday-2017-06-26</a:t>
             </a:fld>
             <a:endParaRPr lang="ko-KR" altLang="en-US"/>
           </a:p>
@@ -1722,7 +1727,7 @@
           <a:p>
             <a:fld id="{A1F20BD1-0C44-43D0-BA5E-59F215455C0B}" type="datetimeFigureOut">
               <a:rPr lang="ko-KR" altLang="en-US" smtClean="0"/>
-              <a:t>Sunday-2017-06-25</a:t>
+              <a:t>Monday-2017-06-26</a:t>
             </a:fld>
             <a:endParaRPr lang="ko-KR" altLang="en-US"/>
           </a:p>
@@ -1817,7 +1822,7 @@
           <a:p>
             <a:fld id="{A1F20BD1-0C44-43D0-BA5E-59F215455C0B}" type="datetimeFigureOut">
               <a:rPr lang="ko-KR" altLang="en-US" smtClean="0"/>
-              <a:t>Sunday-2017-06-25</a:t>
+              <a:t>Monday-2017-06-26</a:t>
             </a:fld>
             <a:endParaRPr lang="ko-KR" altLang="en-US"/>
           </a:p>
@@ -2094,7 +2099,7 @@
           <a:p>
             <a:fld id="{A1F20BD1-0C44-43D0-BA5E-59F215455C0B}" type="datetimeFigureOut">
               <a:rPr lang="ko-KR" altLang="en-US" smtClean="0"/>
-              <a:t>Sunday-2017-06-25</a:t>
+              <a:t>Monday-2017-06-26</a:t>
             </a:fld>
             <a:endParaRPr lang="ko-KR" altLang="en-US"/>
           </a:p>
@@ -2347,7 +2352,7 @@
           <a:p>
             <a:fld id="{A1F20BD1-0C44-43D0-BA5E-59F215455C0B}" type="datetimeFigureOut">
               <a:rPr lang="ko-KR" altLang="en-US" smtClean="0"/>
-              <a:t>Sunday-2017-06-25</a:t>
+              <a:t>Monday-2017-06-26</a:t>
             </a:fld>
             <a:endParaRPr lang="ko-KR" altLang="en-US"/>
           </a:p>
@@ -2560,7 +2565,7 @@
           <a:p>
             <a:fld id="{A1F20BD1-0C44-43D0-BA5E-59F215455C0B}" type="datetimeFigureOut">
               <a:rPr lang="ko-KR" altLang="en-US" smtClean="0"/>
-              <a:t>Sunday-2017-06-25</a:t>
+              <a:t>Monday-2017-06-26</a:t>
             </a:fld>
             <a:endParaRPr lang="ko-KR" altLang="en-US"/>
           </a:p>
@@ -3960,18 +3965,68 @@
           </a:fontRef>
         </p:style>
       </p:cxnSp>
+      <p:sp>
+        <p:nvSpPr>
+          <p:cNvPr id="35" name="TextBox 34"/>
+          <p:cNvSpPr txBox="1"/>
+          <p:nvPr/>
+        </p:nvSpPr>
+        <p:spPr>
+          <a:xfrm>
+            <a:off x="9159795" y="380565"/>
+            <a:ext cx="1941557" cy="369332"/>
+          </a:xfrm>
+          <a:prstGeom prst="rect">
+            <a:avLst/>
+          </a:prstGeom>
+          <a:noFill/>
+          <a:ln>
+            <a:solidFill>
+              <a:schemeClr val="tx1"/>
+            </a:solidFill>
+          </a:ln>
+        </p:spPr>
+        <p:txBody>
+          <a:bodyPr wrap="none" rtlCol="0">
+            <a:spAutoFit/>
+          </a:bodyPr>
+          <a:lstStyle/>
+          <a:p>
+            <a:r>
+              <a:rPr lang="ko-KR" altLang="en-US" dirty="0" smtClean="0"/>
+              <a:t>외부배터리</a:t>
+            </a:r>
+            <a:r>
+              <a:rPr lang="en-US" altLang="ko-KR" dirty="0" smtClean="0"/>
+              <a:t>(</a:t>
+            </a:r>
+            <a:r>
+              <a:rPr lang="ko-KR" altLang="en-US" dirty="0" smtClean="0"/>
+              <a:t>전원</a:t>
+            </a:r>
+            <a:r>
+              <a:rPr lang="en-US" altLang="ko-KR" dirty="0" smtClean="0"/>
+              <a:t>)</a:t>
+            </a:r>
+            <a:endParaRPr lang="ko-KR" altLang="en-US" dirty="0"/>
+          </a:p>
+        </p:txBody>
+      </p:sp>
       <p:cxnSp>
         <p:nvCxnSpPr>
-          <p:cNvPr id="34" name="직선 연결선 33"/>
-          <p:cNvCxnSpPr/>
+          <p:cNvPr id="3" name="꺾인 연결선 2"/>
+          <p:cNvCxnSpPr>
+            <a:stCxn id="35" idx="2"/>
+            <a:endCxn id="8" idx="3"/>
+          </p:cNvCxnSpPr>
           <p:nvPr/>
         </p:nvCxnSpPr>
         <p:spPr>
-          <a:xfrm>
-            <a:off x="3358836" y="2037264"/>
-            <a:ext cx="0" cy="1910047"/>
+          <a:xfrm rot="5400000">
+            <a:off x="9093835" y="815858"/>
+            <a:ext cx="1102701" cy="970779"/>
           </a:xfrm>
-          <a:prstGeom prst="line">
+          <a:prstGeom prst="bentConnector2">
             <a:avLst/>
           </a:prstGeom>
           <a:ln w="28575">
@@ -3995,53 +4050,6 @@
           </a:fontRef>
         </p:style>
       </p:cxnSp>
-      <p:sp>
-        <p:nvSpPr>
-          <p:cNvPr id="35" name="TextBox 34"/>
-          <p:cNvSpPr txBox="1"/>
-          <p:nvPr/>
-        </p:nvSpPr>
-        <p:spPr>
-          <a:xfrm>
-            <a:off x="2388057" y="3947311"/>
-            <a:ext cx="1941557" cy="369332"/>
-          </a:xfrm>
-          <a:prstGeom prst="rect">
-            <a:avLst/>
-          </a:prstGeom>
-          <a:noFill/>
-          <a:ln>
-            <a:solidFill>
-              <a:schemeClr val="tx1"/>
-            </a:solidFill>
-          </a:ln>
-        </p:spPr>
-        <p:txBody>
-          <a:bodyPr wrap="none" rtlCol="0">
-            <a:spAutoFit/>
-          </a:bodyPr>
-          <a:lstStyle/>
-          <a:p>
-            <a:r>
-              <a:rPr lang="ko-KR" altLang="en-US" dirty="0" smtClean="0"/>
-              <a:t>외부배터리</a:t>
-            </a:r>
-            <a:r>
-              <a:rPr lang="en-US" altLang="ko-KR" dirty="0" smtClean="0"/>
-              <a:t>(</a:t>
-            </a:r>
-            <a:r>
-              <a:rPr lang="ko-KR" altLang="en-US" dirty="0" smtClean="0"/>
-              <a:t>전원</a:t>
-            </a:r>
-            <a:r>
-              <a:rPr lang="en-US" altLang="ko-KR" dirty="0"/>
-              <a:t>)</a:t>
-            </a:r>
-            <a:endParaRPr lang="ko-KR" altLang="en-US" dirty="0"/>
-          </a:p>
-        </p:txBody>
-      </p:sp>
     </p:spTree>
     <p:extLst>
       <p:ext uri="{BB962C8B-B14F-4D97-AF65-F5344CB8AC3E}">
